--- a/OOD/Präsentation/ Präsentation 3.6.15 ohne Zusatzfolien.pptx
+++ b/OOD/Präsentation/ Präsentation 3.6.15 ohne Zusatzfolien.pptx
@@ -4753,7 +4753,7 @@
               </a:buClr>
               <a:buSzPct val="100000"/>
               <a:buFont typeface="Arial"/>
-              <a:buChar char="-"/>
+              <a:buChar char="●"/>
             </a:pPr>
             <a:r>
               <a:rPr lang="de"/>
@@ -4770,7 +4770,7 @@
               </a:buClr>
               <a:buSzPct val="80000"/>
               <a:buFont typeface="Arial"/>
-              <a:buChar char="-"/>
+              <a:buChar char="○"/>
             </a:pPr>
             <a:r>
               <a:rPr lang="de"/>
@@ -4787,7 +4787,7 @@
               </a:buClr>
               <a:buSzPct val="100000"/>
               <a:buFont typeface="Arial"/>
-              <a:buChar char="-"/>
+              <a:buChar char="●"/>
             </a:pPr>
             <a:r>
               <a:rPr lang="de"/>
@@ -4804,7 +4804,7 @@
               </a:buClr>
               <a:buSzPct val="80000"/>
               <a:buFont typeface="Arial"/>
-              <a:buChar char="-"/>
+              <a:buChar char="○"/>
             </a:pPr>
             <a:r>
               <a:rPr lang="de"/>
@@ -4821,7 +4821,7 @@
               </a:buClr>
               <a:buSzPct val="100000"/>
               <a:buFont typeface="Arial"/>
-              <a:buChar char="-"/>
+              <a:buChar char="●"/>
             </a:pPr>
             <a:r>
               <a:rPr lang="de"/>
@@ -4838,7 +4838,7 @@
               </a:buClr>
               <a:buSzPct val="80000"/>
               <a:buFont typeface="Arial"/>
-              <a:buChar char="-"/>
+              <a:buChar char="○"/>
             </a:pPr>
             <a:r>
               <a:rPr lang="de"/>
@@ -4855,7 +4855,7 @@
               </a:buClr>
               <a:buSzPct val="80000"/>
               <a:buFont typeface="Arial"/>
-              <a:buChar char="-"/>
+              <a:buChar char="○"/>
             </a:pPr>
             <a:r>
               <a:rPr lang="de"/>
@@ -5016,7 +5016,7 @@
               </a:buClr>
               <a:buSzPct val="100000"/>
               <a:buFont typeface="Arial"/>
-              <a:buChar char="-"/>
+              <a:buChar char="●"/>
             </a:pPr>
             <a:r>
               <a:rPr lang="de"/>
@@ -5033,7 +5033,7 @@
               </a:buClr>
               <a:buSzPct val="100000"/>
               <a:buFont typeface="Arial"/>
-              <a:buChar char="-"/>
+              <a:buChar char="●"/>
             </a:pPr>
             <a:r>
               <a:rPr lang="de"/>
@@ -5041,7 +5041,7 @@
             </a:r>
           </a:p>
           <a:p>
-            <a:pPr indent="457200" marL="457200" rtl="0">
+            <a:pPr indent="457200" lvl="0" marL="457200" rtl="0">
               <a:spcBef>
                 <a:spcPts val="0"/>
               </a:spcBef>
@@ -5053,7 +5053,7 @@
             </a:r>
           </a:p>
           <a:p>
-            <a:pPr indent="457200" marL="457200" rtl="0">
+            <a:pPr lvl="0" rtl="0">
               <a:spcBef>
                 <a:spcPts val="0"/>
               </a:spcBef>
@@ -5074,7 +5074,7 @@
               </a:buClr>
               <a:buSzPct val="100000"/>
               <a:buFont typeface="Arial"/>
-              <a:buChar char="-"/>
+              <a:buChar char="●"/>
             </a:pPr>
             <a:r>
               <a:rPr lang="de"/>
@@ -5531,28 +5531,11 @@
               </a:buClr>
               <a:buSzPct val="100000"/>
               <a:buFont typeface="Arial"/>
-              <a:buChar char="-"/>
+              <a:buChar char="●"/>
             </a:pPr>
             <a:r>
               <a:rPr lang="de"/>
-              <a:t>Spielidee, Ziel</a:t>
-            </a:r>
-          </a:p>
-          <a:p>
-            <a:pPr indent="-381000" lvl="1" marL="914400" rtl="0">
-              <a:spcBef>
-                <a:spcPts val="0"/>
-              </a:spcBef>
-              <a:buClr>
-                <a:srgbClr val="000000"/>
-              </a:buClr>
-              <a:buSzPct val="80000"/>
-              <a:buFont typeface="Arial"/>
-              <a:buChar char="-"/>
-            </a:pPr>
-            <a:r>
-              <a:rPr lang="de"/>
-              <a:t>Spielerstatus, Powerups, Gegnertypen, Angriffe</a:t>
+              <a:t>Spielidee</a:t>
             </a:r>
           </a:p>
           <a:p>
@@ -5565,7 +5548,7 @@
               </a:buClr>
               <a:buSzPct val="100000"/>
               <a:buFont typeface="Arial"/>
-              <a:buChar char="-"/>
+              <a:buChar char="●"/>
             </a:pPr>
             <a:r>
               <a:rPr lang="de">
@@ -5573,7 +5556,28 @@
                   <a:schemeClr val="dk1"/>
                 </a:solidFill>
               </a:rPr>
-              <a:t>Levels</a:t>
+              <a:t>Menü</a:t>
+            </a:r>
+          </a:p>
+          <a:p>
+            <a:pPr indent="-419100" lvl="0" marL="457200" rtl="0">
+              <a:spcBef>
+                <a:spcPts val="0"/>
+              </a:spcBef>
+              <a:buClr>
+                <a:schemeClr val="dk1"/>
+              </a:buClr>
+              <a:buSzPct val="100000"/>
+              <a:buFont typeface="Arial"/>
+              <a:buChar char="●"/>
+            </a:pPr>
+            <a:r>
+              <a:rPr lang="de">
+                <a:solidFill>
+                  <a:schemeClr val="dk1"/>
+                </a:solidFill>
+              </a:rPr>
+              <a:t>Level</a:t>
             </a:r>
           </a:p>
           <a:p>
@@ -5586,24 +5590,7 @@
               </a:buClr>
               <a:buSzPct val="100000"/>
               <a:buFont typeface="Arial"/>
-              <a:buChar char="-"/>
-            </a:pPr>
-            <a:r>
-              <a:rPr lang="de"/>
-              <a:t>Menüs</a:t>
-            </a:r>
-          </a:p>
-          <a:p>
-            <a:pPr indent="-419100" lvl="0" marL="457200" rtl="0">
-              <a:spcBef>
-                <a:spcPts val="0"/>
-              </a:spcBef>
-              <a:buClr>
-                <a:srgbClr val="000000"/>
-              </a:buClr>
-              <a:buSzPct val="100000"/>
-              <a:buFont typeface="Arial"/>
-              <a:buChar char="-"/>
+              <a:buChar char="●"/>
             </a:pPr>
             <a:r>
               <a:rPr lang="de"/>
@@ -5791,7 +5778,7 @@
               </a:buClr>
               <a:buSzPct val="100000"/>
               <a:buFont typeface="Arial"/>
-              <a:buChar char="-"/>
+              <a:buChar char="●"/>
             </a:pPr>
             <a:r>
               <a:rPr lang="de"/>
@@ -5808,7 +5795,7 @@
               </a:buClr>
               <a:buSzPct val="100000"/>
               <a:buFont typeface="Arial"/>
-              <a:buChar char="-"/>
+              <a:buChar char="●"/>
             </a:pPr>
             <a:r>
               <a:rPr lang="de">
@@ -5845,7 +5832,86 @@
               </a:buClr>
               <a:buSzPct val="100000"/>
               <a:buFont typeface="Arial"/>
-              <a:buChar char="-"/>
+              <a:buChar char="●"/>
+            </a:pPr>
+            <a:r>
+              <a:rPr lang="de">
+                <a:solidFill>
+                  <a:schemeClr val="dk1"/>
+                </a:solidFill>
+              </a:rPr>
+              <a:t>Optionale Module</a:t>
+            </a:r>
+          </a:p>
+          <a:p>
+            <a:pPr indent="-381000" lvl="1" marL="914400" rtl="0">
+              <a:spcBef>
+                <a:spcPts val="0"/>
+              </a:spcBef>
+              <a:buClr>
+                <a:schemeClr val="dk1"/>
+              </a:buClr>
+              <a:buSzPct val="80000"/>
+              <a:buFont typeface="Arial"/>
+              <a:buChar char="○"/>
+            </a:pPr>
+            <a:r>
+              <a:rPr lang="de">
+                <a:solidFill>
+                  <a:schemeClr val="dk1"/>
+                </a:solidFill>
+              </a:rPr>
+              <a:t>Bewegungsparallaxe</a:t>
+            </a:r>
+          </a:p>
+          <a:p>
+            <a:pPr indent="-381000" lvl="1" marL="914400" rtl="0">
+              <a:spcBef>
+                <a:spcPts val="0"/>
+              </a:spcBef>
+              <a:buClr>
+                <a:schemeClr val="dk1"/>
+              </a:buClr>
+              <a:buSzPct val="80000"/>
+              <a:buFont typeface="Arial"/>
+              <a:buChar char="○"/>
+            </a:pPr>
+            <a:r>
+              <a:rPr lang="de">
+                <a:solidFill>
+                  <a:schemeClr val="dk1"/>
+                </a:solidFill>
+              </a:rPr>
+              <a:t>Soundausgabe</a:t>
+            </a:r>
+          </a:p>
+          <a:p>
+            <a:pPr indent="0" lvl="0" marL="457200" rtl="0">
+              <a:spcBef>
+                <a:spcPts val="0"/>
+              </a:spcBef>
+              <a:buNone/>
+            </a:pPr>
+            <a:r>
+              <a:t/>
+            </a:r>
+            <a:endParaRPr>
+              <a:solidFill>
+                <a:schemeClr val="dk1"/>
+              </a:solidFill>
+            </a:endParaRPr>
+          </a:p>
+          <a:p>
+            <a:pPr indent="-419100" lvl="0" marL="457200" rtl="0">
+              <a:spcBef>
+                <a:spcPts val="0"/>
+              </a:spcBef>
+              <a:buClr>
+                <a:schemeClr val="dk1"/>
+              </a:buClr>
+              <a:buSzPct val="100000"/>
+              <a:buFont typeface="Arial"/>
+              <a:buChar char="●"/>
             </a:pPr>
             <a:r>
               <a:rPr lang="de">
@@ -5872,7 +5938,7 @@
               </a:buClr>
               <a:buSzPct val="80000"/>
               <a:buFont typeface="Arial"/>
-              <a:buChar char="-"/>
+              <a:buChar char="○"/>
             </a:pPr>
             <a:r>
               <a:rPr lang="de">
@@ -5884,7 +5950,7 @@
             </a:r>
           </a:p>
           <a:p>
-            <a:pPr indent="-381000" lvl="0" marL="914400" rtl="0">
+            <a:pPr indent="-381000" lvl="1" marL="914400" rtl="0">
               <a:spcBef>
                 <a:spcPts val="0"/>
               </a:spcBef>
@@ -5893,7 +5959,7 @@
               </a:buClr>
               <a:buSzPct val="100000"/>
               <a:buFont typeface="Arial"/>
-              <a:buChar char="-"/>
+              <a:buChar char="○"/>
             </a:pPr>
             <a:r>
               <a:rPr lang="de" sz="2400">
@@ -5905,7 +5971,7 @@
             </a:r>
           </a:p>
           <a:p>
-            <a:pPr indent="-381000" lvl="0" marL="914400" rtl="0">
+            <a:pPr indent="-381000" lvl="1" marL="914400" rtl="0">
               <a:spcBef>
                 <a:spcPts val="0"/>
               </a:spcBef>
@@ -5914,7 +5980,7 @@
               </a:buClr>
               <a:buSzPct val="100000"/>
               <a:buFont typeface="Arial"/>
-              <a:buChar char="-"/>
+              <a:buChar char="○"/>
             </a:pPr>
             <a:r>
               <a:rPr lang="de" sz="2400">
@@ -6047,7 +6113,7 @@
               </a:buClr>
               <a:buSzPct val="80000"/>
               <a:buFont typeface="Arial"/>
-              <a:buChar char="-"/>
+              <a:buChar char="○"/>
             </a:pPr>
             <a:r>
               <a:rPr lang="de"/>
@@ -6064,7 +6130,7 @@
               </a:buClr>
               <a:buSzPct val="80000"/>
               <a:buFont typeface="Arial"/>
-              <a:buChar char="-"/>
+              <a:buChar char="○"/>
             </a:pPr>
             <a:r>
               <a:rPr lang="de"/>
@@ -6081,7 +6147,7 @@
               </a:buClr>
               <a:buSzPct val="80000"/>
               <a:buFont typeface="Arial"/>
-              <a:buChar char="-"/>
+              <a:buChar char="○"/>
             </a:pPr>
             <a:r>
               <a:rPr lang="de"/>
@@ -6098,7 +6164,7 @@
               </a:buClr>
               <a:buSzPct val="80000"/>
               <a:buFont typeface="Arial"/>
-              <a:buChar char="-"/>
+              <a:buChar char="○"/>
             </a:pPr>
             <a:r>
               <a:rPr lang="de"/>
@@ -6227,7 +6293,7 @@
               </a:buClr>
               <a:buSzPct val="100000"/>
               <a:buFont typeface="Arial"/>
-              <a:buChar char="-"/>
+              <a:buChar char="●"/>
             </a:pPr>
             <a:r>
               <a:rPr lang="de"/>
@@ -6235,31 +6301,7 @@
             </a:r>
           </a:p>
           <a:p>
-            <a:pPr indent="0" marL="457200" rtl="0">
-              <a:spcBef>
-                <a:spcPts val="0"/>
-              </a:spcBef>
-              <a:buNone/>
-            </a:pPr>
-            <a:r>
-              <a:rPr lang="de" sz="2400"/>
-              <a:t>Ansporn, Level schnell zu beenden</a:t>
-            </a:r>
-          </a:p>
-          <a:p>
-            <a:pPr indent="0" lvl="0" marL="457200" rtl="0">
-              <a:spcBef>
-                <a:spcPts val="0"/>
-              </a:spcBef>
-              <a:buNone/>
-            </a:pPr>
-            <a:r>
-              <a:t/>
-            </a:r>
-            <a:endParaRPr sz="2400"/>
-          </a:p>
-          <a:p>
-            <a:pPr indent="-419100" lvl="0" marL="457200" rtl="0">
+            <a:pPr indent="-381000" lvl="1" marL="914400" rtl="0">
               <a:spcBef>
                 <a:spcPts val="0"/>
               </a:spcBef>
@@ -6268,11 +6310,11 @@
               </a:buClr>
               <a:buSzPct val="100000"/>
               <a:buFont typeface="Arial"/>
-              <a:buChar char="-"/>
-            </a:pPr>
-            <a:r>
-              <a:rPr lang="de"/>
-              <a:t>Punkte</a:t>
+              <a:buChar char="○"/>
+            </a:pPr>
+            <a:r>
+              <a:rPr lang="de" sz="2400"/>
+              <a:t>Ansporn, Level schnell zu beenden</a:t>
             </a:r>
           </a:p>
           <a:p>
@@ -6285,7 +6327,7 @@
             <a:r>
               <a:t/>
             </a:r>
-            <a:endParaRPr/>
+            <a:endParaRPr sz="2400"/>
           </a:p>
           <a:p>
             <a:pPr indent="-419100" lvl="0" marL="457200" rtl="0">
@@ -6297,7 +6339,36 @@
               </a:buClr>
               <a:buSzPct val="100000"/>
               <a:buFont typeface="Arial"/>
-              <a:buChar char="-"/>
+              <a:buChar char="●"/>
+            </a:pPr>
+            <a:r>
+              <a:rPr lang="de"/>
+              <a:t>Punkte</a:t>
+            </a:r>
+          </a:p>
+          <a:p>
+            <a:pPr lvl="0" rtl="0">
+              <a:spcBef>
+                <a:spcPts val="0"/>
+              </a:spcBef>
+              <a:buNone/>
+            </a:pPr>
+            <a:r>
+              <a:t/>
+            </a:r>
+            <a:endParaRPr/>
+          </a:p>
+          <a:p>
+            <a:pPr indent="-419100" lvl="0" marL="457200" rtl="0">
+              <a:spcBef>
+                <a:spcPts val="0"/>
+              </a:spcBef>
+              <a:buClr>
+                <a:srgbClr val="000000"/>
+              </a:buClr>
+              <a:buSzPct val="100000"/>
+              <a:buFont typeface="Arial"/>
+              <a:buChar char="●"/>
             </a:pPr>
             <a:r>
               <a:rPr lang="de"/>
@@ -6414,7 +6485,7 @@
               </a:buClr>
               <a:buSzPct val="100000"/>
               <a:buFont typeface="Arial"/>
-              <a:buChar char="-"/>
+              <a:buChar char="●"/>
             </a:pPr>
             <a:r>
               <a:rPr lang="de"/>
@@ -6451,7 +6522,7 @@
               </a:buClr>
               <a:buSzPct val="100000"/>
               <a:buFont typeface="Arial"/>
-              <a:buChar char="-"/>
+              <a:buChar char="●"/>
             </a:pPr>
             <a:r>
               <a:rPr lang="de"/>
@@ -6568,7 +6639,7 @@
               </a:buClr>
               <a:buSzPct val="100000"/>
               <a:buFont typeface="Arial"/>
-              <a:buChar char="-"/>
+              <a:buChar char="●"/>
             </a:pPr>
             <a:r>
               <a:rPr lang="de"/>
@@ -6585,7 +6656,7 @@
               </a:buClr>
               <a:buSzPct val="100000"/>
               <a:buFont typeface="Arial"/>
-              <a:buChar char="-"/>
+              <a:buChar char="●"/>
             </a:pPr>
             <a:r>
               <a:rPr lang="de"/>
@@ -6602,7 +6673,7 @@
               </a:buClr>
               <a:buSzPct val="100000"/>
               <a:buFont typeface="Arial"/>
-              <a:buChar char="-"/>
+              <a:buChar char="●"/>
             </a:pPr>
             <a:r>
               <a:rPr lang="de"/>
@@ -6610,7 +6681,7 @@
             </a:r>
           </a:p>
           <a:p>
-            <a:pPr rtl="0">
+            <a:pPr lvl="0" rtl="0">
               <a:spcBef>
                 <a:spcPts val="0"/>
               </a:spcBef>
@@ -6631,7 +6702,7 @@
               </a:buClr>
               <a:buSzPct val="100000"/>
               <a:buFont typeface="Arial"/>
-              <a:buChar char="-"/>
+              <a:buChar char="●"/>
             </a:pPr>
             <a:r>
               <a:rPr lang="de"/>
@@ -6648,11 +6719,11 @@
               </a:buClr>
               <a:buSzPct val="80000"/>
               <a:buFont typeface="Arial"/>
-              <a:buChar char="-"/>
+              <a:buChar char="○"/>
             </a:pPr>
             <a:r>
               <a:rPr lang="de"/>
-              <a:t>Auswertung durch Kollisionskontrolle und Eventhandling</a:t>
+              <a:t>Auswertung durch Kollisionskontrolle und Event-Handling</a:t>
             </a:r>
           </a:p>
           <a:p>
@@ -6665,7 +6736,7 @@
               </a:buClr>
               <a:buSzPct val="80000"/>
               <a:buFont typeface="Arial"/>
-              <a:buChar char="-"/>
+              <a:buChar char="○"/>
             </a:pPr>
             <a:r>
               <a:rPr lang="de"/>
@@ -6770,7 +6841,7 @@
               </a:buClr>
               <a:buSzPct val="100000"/>
               <a:buFont typeface="Arial"/>
-              <a:buChar char="-"/>
+              <a:buChar char="●"/>
             </a:pPr>
             <a:r>
               <a:rPr lang="de"/>
@@ -6787,7 +6858,7 @@
               </a:buClr>
               <a:buSzPct val="80000"/>
               <a:buFont typeface="Arial"/>
-              <a:buChar char="-"/>
+              <a:buChar char="○"/>
             </a:pPr>
             <a:r>
               <a:rPr lang="de"/>
@@ -6816,7 +6887,7 @@
               </a:buClr>
               <a:buSzPct val="100000"/>
               <a:buFont typeface="Arial"/>
-              <a:buChar char="-"/>
+              <a:buChar char="●"/>
             </a:pPr>
             <a:r>
               <a:rPr lang="de"/>
@@ -6833,7 +6904,7 @@
               </a:buClr>
               <a:buSzPct val="80000"/>
               <a:buFont typeface="Arial"/>
-              <a:buChar char="-"/>
+              <a:buChar char="○"/>
             </a:pPr>
             <a:r>
               <a:rPr lang="de"/>
@@ -6950,7 +7021,7 @@
               </a:buClr>
               <a:buSzPct val="100000"/>
               <a:buFont typeface="Arial"/>
-              <a:buChar char="-"/>
+              <a:buChar char="●"/>
             </a:pPr>
             <a:r>
               <a:rPr lang="de"/>
@@ -6967,7 +7038,7 @@
               </a:buClr>
               <a:buSzPct val="100000"/>
               <a:buFont typeface="Arial"/>
-              <a:buChar char="-"/>
+              <a:buChar char="●"/>
             </a:pPr>
             <a:r>
               <a:rPr lang="de"/>
@@ -6984,7 +7055,7 @@
               </a:buClr>
               <a:buSzPct val="100000"/>
               <a:buFont typeface="Arial"/>
-              <a:buChar char="-"/>
+              <a:buChar char="●"/>
             </a:pPr>
             <a:r>
               <a:rPr lang="de"/>
@@ -7001,7 +7072,7 @@
               </a:buClr>
               <a:buSzPct val="100000"/>
               <a:buFont typeface="Arial"/>
-              <a:buChar char="-"/>
+              <a:buChar char="●"/>
             </a:pPr>
             <a:r>
               <a:rPr lang="de"/>
@@ -7018,7 +7089,7 @@
               </a:buClr>
               <a:buSzPct val="100000"/>
               <a:buFont typeface="Arial"/>
-              <a:buChar char="-"/>
+              <a:buChar char="○"/>
             </a:pPr>
             <a:r>
               <a:rPr lang="de" sz="1800"/>
@@ -7035,7 +7106,7 @@
               </a:buClr>
               <a:buSzPct val="100000"/>
               <a:buFont typeface="Arial"/>
-              <a:buChar char="-"/>
+              <a:buChar char="○"/>
             </a:pPr>
             <a:r>
               <a:rPr lang="de" sz="1800"/>
@@ -7052,7 +7123,7 @@
               </a:buClr>
               <a:buSzPct val="100000"/>
               <a:buFont typeface="Arial"/>
-              <a:buChar char="-"/>
+              <a:buChar char="●"/>
             </a:pPr>
             <a:r>
               <a:rPr lang="de"/>
@@ -7069,7 +7140,7 @@
               </a:buClr>
               <a:buSzPct val="100000"/>
               <a:buFont typeface="Arial"/>
-              <a:buChar char="-"/>
+              <a:buChar char="○"/>
             </a:pPr>
             <a:r>
               <a:rPr lang="de" sz="1800"/>
